--- a/PPT/Angular13-Services.pptx
+++ b/PPT/Angular13-Services.pptx
@@ -614,35 +614,35 @@
           <a:p>
             <a:pPr lvl="0"/>
             <a:r>
-              <a:rPr lang="fr-FR" noProof="0" smtClean="0"/>
+              <a:rPr lang="fr-FR" noProof="0"/>
               <a:t>Cliquez pour modifier les styles du texte du masque</a:t>
             </a:r>
           </a:p>
           <a:p>
             <a:pPr lvl="1"/>
             <a:r>
-              <a:rPr lang="fr-FR" noProof="0" smtClean="0"/>
+              <a:rPr lang="fr-FR" noProof="0"/>
               <a:t>Deuxième niveau</a:t>
             </a:r>
           </a:p>
           <a:p>
             <a:pPr lvl="2"/>
             <a:r>
-              <a:rPr lang="fr-FR" noProof="0" smtClean="0"/>
+              <a:rPr lang="fr-FR" noProof="0"/>
               <a:t>Troisième niveau</a:t>
             </a:r>
           </a:p>
           <a:p>
             <a:pPr lvl="3"/>
             <a:r>
-              <a:rPr lang="fr-FR" noProof="0" smtClean="0"/>
+              <a:rPr lang="fr-FR" noProof="0"/>
               <a:t>Quatrième niveau</a:t>
             </a:r>
           </a:p>
           <a:p>
             <a:pPr lvl="4"/>
             <a:r>
-              <a:rPr lang="fr-FR" noProof="0" smtClean="0"/>
+              <a:rPr lang="fr-FR" noProof="0"/>
               <a:t>Cinquième niveau</a:t>
             </a:r>
           </a:p>
@@ -930,10 +930,9 @@
           <a:lstStyle/>
           <a:p>
             <a:r>
-              <a:rPr lang="fr-FR" smtClean="0"/>
+              <a:rPr lang="fr-FR"/>
               <a:t>Cliquez pour modifier le style du titre</a:t>
             </a:r>
-            <a:endParaRPr lang="fr-FR"/>
           </a:p>
         </p:txBody>
       </p:sp>
@@ -995,10 +994,9 @@
           </a:lstStyle>
           <a:p>
             <a:r>
-              <a:rPr lang="fr-FR" smtClean="0"/>
+              <a:rPr lang="fr-FR"/>
               <a:t>Cliquez pour modifier le style des sous-titres du masque</a:t>
             </a:r>
-            <a:endParaRPr lang="fr-FR"/>
           </a:p>
         </p:txBody>
       </p:sp>
@@ -1053,10 +1051,9 @@
           <a:lstStyle/>
           <a:p>
             <a:r>
-              <a:rPr lang="fr-FR" smtClean="0"/>
+              <a:rPr lang="fr-FR"/>
               <a:t>Cliquez pour modifier le style du titre</a:t>
             </a:r>
-            <a:endParaRPr lang="fr-FR"/>
           </a:p>
         </p:txBody>
       </p:sp>
@@ -1082,38 +1079,37 @@
           <a:p>
             <a:pPr lvl="0"/>
             <a:r>
-              <a:rPr lang="fr-FR" smtClean="0"/>
+              <a:rPr lang="fr-FR"/>
               <a:t>Cliquez pour modifier les styles du texte du masque</a:t>
             </a:r>
           </a:p>
           <a:p>
             <a:pPr lvl="1"/>
             <a:r>
-              <a:rPr lang="fr-FR" smtClean="0"/>
+              <a:rPr lang="fr-FR"/>
               <a:t>Deuxième niveau</a:t>
             </a:r>
           </a:p>
           <a:p>
             <a:pPr lvl="2"/>
             <a:r>
-              <a:rPr lang="fr-FR" smtClean="0"/>
+              <a:rPr lang="fr-FR"/>
               <a:t>Troisième niveau</a:t>
             </a:r>
           </a:p>
           <a:p>
             <a:pPr lvl="3"/>
             <a:r>
-              <a:rPr lang="fr-FR" smtClean="0"/>
+              <a:rPr lang="fr-FR"/>
               <a:t>Quatrième niveau</a:t>
             </a:r>
           </a:p>
           <a:p>
             <a:pPr lvl="4"/>
             <a:r>
-              <a:rPr lang="fr-FR" smtClean="0"/>
+              <a:rPr lang="fr-FR"/>
               <a:t>Cinquième niveau</a:t>
             </a:r>
-            <a:endParaRPr lang="fr-FR"/>
           </a:p>
         </p:txBody>
       </p:sp>
@@ -1172,10 +1168,9 @@
           </a:lstStyle>
           <a:p>
             <a:r>
-              <a:rPr lang="fr-FR" dirty="0" smtClean="0"/>
+              <a:rPr lang="fr-FR" dirty="0"/>
               <a:t>Cliquez pour modifier le style du titre</a:t>
             </a:r>
-            <a:endParaRPr lang="fr-FR" dirty="0"/>
           </a:p>
         </p:txBody>
       </p:sp>
@@ -1201,38 +1196,37 @@
           <a:p>
             <a:pPr lvl="0"/>
             <a:r>
-              <a:rPr lang="fr-FR" dirty="0" smtClean="0"/>
+              <a:rPr lang="fr-FR" dirty="0"/>
               <a:t>Cliquez pour modifier les styles du texte du masque</a:t>
             </a:r>
           </a:p>
           <a:p>
             <a:pPr lvl="1"/>
             <a:r>
-              <a:rPr lang="fr-FR" dirty="0" smtClean="0"/>
+              <a:rPr lang="fr-FR" dirty="0"/>
               <a:t>Deuxième niveau</a:t>
             </a:r>
           </a:p>
           <a:p>
             <a:pPr lvl="2"/>
             <a:r>
-              <a:rPr lang="fr-FR" dirty="0" smtClean="0"/>
+              <a:rPr lang="fr-FR" dirty="0"/>
               <a:t>Troisième niveau</a:t>
             </a:r>
           </a:p>
           <a:p>
             <a:pPr lvl="3"/>
             <a:r>
-              <a:rPr lang="fr-FR" dirty="0" smtClean="0"/>
+              <a:rPr lang="fr-FR" dirty="0"/>
               <a:t>Quatrième niveau</a:t>
             </a:r>
           </a:p>
           <a:p>
             <a:pPr lvl="4"/>
             <a:r>
-              <a:rPr lang="fr-FR" dirty="0" smtClean="0"/>
+              <a:rPr lang="fr-FR" dirty="0"/>
               <a:t>Cinquième niveau</a:t>
             </a:r>
-            <a:endParaRPr lang="fr-FR" dirty="0"/>
           </a:p>
         </p:txBody>
       </p:sp>
@@ -1282,10 +1276,9 @@
           <a:lstStyle/>
           <a:p>
             <a:r>
-              <a:rPr lang="fr-FR" smtClean="0"/>
+              <a:rPr lang="fr-FR"/>
               <a:t>Cliquez pour modifier le style du titre</a:t>
             </a:r>
-            <a:endParaRPr lang="fr-FR"/>
           </a:p>
         </p:txBody>
       </p:sp>
@@ -1339,38 +1332,37 @@
           <a:p>
             <a:pPr lvl="0"/>
             <a:r>
-              <a:rPr lang="fr-FR" smtClean="0"/>
+              <a:rPr lang="fr-FR"/>
               <a:t>Cliquez pour modifier les styles du texte du masque</a:t>
             </a:r>
           </a:p>
           <a:p>
             <a:pPr lvl="1"/>
             <a:r>
-              <a:rPr lang="fr-FR" smtClean="0"/>
+              <a:rPr lang="fr-FR"/>
               <a:t>Deuxième niveau</a:t>
             </a:r>
           </a:p>
           <a:p>
             <a:pPr lvl="2"/>
             <a:r>
-              <a:rPr lang="fr-FR" smtClean="0"/>
+              <a:rPr lang="fr-FR"/>
               <a:t>Troisième niveau</a:t>
             </a:r>
           </a:p>
           <a:p>
             <a:pPr lvl="3"/>
             <a:r>
-              <a:rPr lang="fr-FR" smtClean="0"/>
+              <a:rPr lang="fr-FR"/>
               <a:t>Quatrième niveau</a:t>
             </a:r>
           </a:p>
           <a:p>
             <a:pPr lvl="4"/>
             <a:r>
-              <a:rPr lang="fr-FR" smtClean="0"/>
+              <a:rPr lang="fr-FR"/>
               <a:t>Cinquième niveau</a:t>
             </a:r>
-            <a:endParaRPr lang="fr-FR"/>
           </a:p>
         </p:txBody>
       </p:sp>
@@ -1424,38 +1416,37 @@
           <a:p>
             <a:pPr lvl="0"/>
             <a:r>
-              <a:rPr lang="fr-FR" smtClean="0"/>
+              <a:rPr lang="fr-FR"/>
               <a:t>Cliquez pour modifier les styles du texte du masque</a:t>
             </a:r>
           </a:p>
           <a:p>
             <a:pPr lvl="1"/>
             <a:r>
-              <a:rPr lang="fr-FR" smtClean="0"/>
+              <a:rPr lang="fr-FR"/>
               <a:t>Deuxième niveau</a:t>
             </a:r>
           </a:p>
           <a:p>
             <a:pPr lvl="2"/>
             <a:r>
-              <a:rPr lang="fr-FR" smtClean="0"/>
+              <a:rPr lang="fr-FR"/>
               <a:t>Troisième niveau</a:t>
             </a:r>
           </a:p>
           <a:p>
             <a:pPr lvl="3"/>
             <a:r>
-              <a:rPr lang="fr-FR" smtClean="0"/>
+              <a:rPr lang="fr-FR"/>
               <a:t>Quatrième niveau</a:t>
             </a:r>
           </a:p>
           <a:p>
             <a:pPr lvl="4"/>
             <a:r>
-              <a:rPr lang="fr-FR" smtClean="0"/>
+              <a:rPr lang="fr-FR"/>
               <a:t>Cinquième niveau</a:t>
             </a:r>
-            <a:endParaRPr lang="fr-FR"/>
           </a:p>
         </p:txBody>
       </p:sp>
@@ -1514,10 +1505,9 @@
           </a:lstStyle>
           <a:p>
             <a:r>
-              <a:rPr lang="fr-FR" smtClean="0"/>
+              <a:rPr lang="fr-FR"/>
               <a:t>Cliquez pour modifier le style du titre</a:t>
             </a:r>
-            <a:endParaRPr lang="fr-FR"/>
           </a:p>
         </p:txBody>
       </p:sp>
@@ -1580,7 +1570,7 @@
           <a:p>
             <a:pPr lvl="0"/>
             <a:r>
-              <a:rPr lang="fr-FR" smtClean="0"/>
+              <a:rPr lang="fr-FR"/>
               <a:t>Cliquez pour modifier les styles du texte du masque</a:t>
             </a:r>
           </a:p>
@@ -1636,38 +1626,37 @@
           <a:p>
             <a:pPr lvl="0"/>
             <a:r>
-              <a:rPr lang="fr-FR" smtClean="0"/>
+              <a:rPr lang="fr-FR"/>
               <a:t>Cliquez pour modifier les styles du texte du masque</a:t>
             </a:r>
           </a:p>
           <a:p>
             <a:pPr lvl="1"/>
             <a:r>
-              <a:rPr lang="fr-FR" smtClean="0"/>
+              <a:rPr lang="fr-FR"/>
               <a:t>Deuxième niveau</a:t>
             </a:r>
           </a:p>
           <a:p>
             <a:pPr lvl="2"/>
             <a:r>
-              <a:rPr lang="fr-FR" smtClean="0"/>
+              <a:rPr lang="fr-FR"/>
               <a:t>Troisième niveau</a:t>
             </a:r>
           </a:p>
           <a:p>
             <a:pPr lvl="3"/>
             <a:r>
-              <a:rPr lang="fr-FR" smtClean="0"/>
+              <a:rPr lang="fr-FR"/>
               <a:t>Quatrième niveau</a:t>
             </a:r>
           </a:p>
           <a:p>
             <a:pPr lvl="4"/>
             <a:r>
-              <a:rPr lang="fr-FR" smtClean="0"/>
+              <a:rPr lang="fr-FR"/>
               <a:t>Cinquième niveau</a:t>
             </a:r>
-            <a:endParaRPr lang="fr-FR"/>
           </a:p>
         </p:txBody>
       </p:sp>
@@ -1730,7 +1719,7 @@
           <a:p>
             <a:pPr lvl="0"/>
             <a:r>
-              <a:rPr lang="fr-FR" smtClean="0"/>
+              <a:rPr lang="fr-FR"/>
               <a:t>Cliquez pour modifier les styles du texte du masque</a:t>
             </a:r>
           </a:p>
@@ -1786,38 +1775,37 @@
           <a:p>
             <a:pPr lvl="0"/>
             <a:r>
-              <a:rPr lang="fr-FR" smtClean="0"/>
+              <a:rPr lang="fr-FR"/>
               <a:t>Cliquez pour modifier les styles du texte du masque</a:t>
             </a:r>
           </a:p>
           <a:p>
             <a:pPr lvl="1"/>
             <a:r>
-              <a:rPr lang="fr-FR" smtClean="0"/>
+              <a:rPr lang="fr-FR"/>
               <a:t>Deuxième niveau</a:t>
             </a:r>
           </a:p>
           <a:p>
             <a:pPr lvl="2"/>
             <a:r>
-              <a:rPr lang="fr-FR" smtClean="0"/>
+              <a:rPr lang="fr-FR"/>
               <a:t>Troisième niveau</a:t>
             </a:r>
           </a:p>
           <a:p>
             <a:pPr lvl="3"/>
             <a:r>
-              <a:rPr lang="fr-FR" smtClean="0"/>
+              <a:rPr lang="fr-FR"/>
               <a:t>Quatrième niveau</a:t>
             </a:r>
           </a:p>
           <a:p>
             <a:pPr lvl="4"/>
             <a:r>
-              <a:rPr lang="fr-FR" smtClean="0"/>
+              <a:rPr lang="fr-FR"/>
               <a:t>Cinquième niveau</a:t>
             </a:r>
-            <a:endParaRPr lang="fr-FR"/>
           </a:p>
         </p:txBody>
       </p:sp>
@@ -1867,10 +1855,9 @@
           <a:lstStyle/>
           <a:p>
             <a:r>
-              <a:rPr lang="fr-FR" smtClean="0"/>
+              <a:rPr lang="fr-FR"/>
               <a:t>Cliquez pour modifier le style du titre</a:t>
             </a:r>
-            <a:endParaRPr lang="fr-FR"/>
           </a:p>
         </p:txBody>
       </p:sp>
@@ -1959,10 +1946,9 @@
           </a:lstStyle>
           <a:p>
             <a:r>
-              <a:rPr lang="fr-FR" smtClean="0"/>
+              <a:rPr lang="fr-FR"/>
               <a:t>Cliquez pour modifier le style du titre</a:t>
             </a:r>
-            <a:endParaRPr lang="fr-FR"/>
           </a:p>
         </p:txBody>
       </p:sp>
@@ -2016,38 +2002,37 @@
           <a:p>
             <a:pPr lvl="0"/>
             <a:r>
-              <a:rPr lang="fr-FR" smtClean="0"/>
+              <a:rPr lang="fr-FR"/>
               <a:t>Cliquez pour modifier les styles du texte du masque</a:t>
             </a:r>
           </a:p>
           <a:p>
             <a:pPr lvl="1"/>
             <a:r>
-              <a:rPr lang="fr-FR" smtClean="0"/>
+              <a:rPr lang="fr-FR"/>
               <a:t>Deuxième niveau</a:t>
             </a:r>
           </a:p>
           <a:p>
             <a:pPr lvl="2"/>
             <a:r>
-              <a:rPr lang="fr-FR" smtClean="0"/>
+              <a:rPr lang="fr-FR"/>
               <a:t>Troisième niveau</a:t>
             </a:r>
           </a:p>
           <a:p>
             <a:pPr lvl="3"/>
             <a:r>
-              <a:rPr lang="fr-FR" smtClean="0"/>
+              <a:rPr lang="fr-FR"/>
               <a:t>Quatrième niveau</a:t>
             </a:r>
           </a:p>
           <a:p>
             <a:pPr lvl="4"/>
             <a:r>
-              <a:rPr lang="fr-FR" smtClean="0"/>
+              <a:rPr lang="fr-FR"/>
               <a:t>Cinquième niveau</a:t>
             </a:r>
-            <a:endParaRPr lang="fr-FR"/>
           </a:p>
         </p:txBody>
       </p:sp>
@@ -2110,7 +2095,7 @@
           <a:p>
             <a:pPr lvl="0"/>
             <a:r>
-              <a:rPr lang="fr-FR" smtClean="0"/>
+              <a:rPr lang="fr-FR"/>
               <a:t>Cliquez pour modifier les styles du texte du masque</a:t>
             </a:r>
           </a:p>
@@ -2171,10 +2156,9 @@
           </a:lstStyle>
           <a:p>
             <a:r>
-              <a:rPr lang="fr-FR" smtClean="0"/>
+              <a:rPr lang="fr-FR"/>
               <a:t>Cliquez pour modifier le style du titre</a:t>
             </a:r>
-            <a:endParaRPr lang="fr-FR"/>
           </a:p>
         </p:txBody>
       </p:sp>
@@ -2236,7 +2220,7 @@
           </a:lstStyle>
           <a:p>
             <a:pPr lvl="0"/>
-            <a:endParaRPr lang="fr-FR" noProof="0" smtClean="0"/>
+            <a:endParaRPr lang="fr-FR" noProof="0"/>
           </a:p>
         </p:txBody>
       </p:sp>
@@ -2299,7 +2283,7 @@
           <a:p>
             <a:pPr lvl="0"/>
             <a:r>
-              <a:rPr lang="fr-FR" smtClean="0"/>
+              <a:rPr lang="fr-FR"/>
               <a:t>Cliquez pour modifier les styles du texte du masque</a:t>
             </a:r>
           </a:p>
@@ -2351,10 +2335,9 @@
           <a:lstStyle/>
           <a:p>
             <a:r>
-              <a:rPr lang="fr-FR" smtClean="0"/>
+              <a:rPr lang="fr-FR"/>
               <a:t>Cliquez pour modifier le style du titre</a:t>
             </a:r>
-            <a:endParaRPr lang="fr-FR"/>
           </a:p>
         </p:txBody>
       </p:sp>
@@ -2375,38 +2358,37 @@
           <a:p>
             <a:pPr lvl="0"/>
             <a:r>
-              <a:rPr lang="fr-FR" smtClean="0"/>
+              <a:rPr lang="fr-FR"/>
               <a:t>Cliquez pour modifier les styles du texte du masque</a:t>
             </a:r>
           </a:p>
           <a:p>
             <a:pPr lvl="1"/>
             <a:r>
-              <a:rPr lang="fr-FR" smtClean="0"/>
+              <a:rPr lang="fr-FR"/>
               <a:t>Deuxième niveau</a:t>
             </a:r>
           </a:p>
           <a:p>
             <a:pPr lvl="2"/>
             <a:r>
-              <a:rPr lang="fr-FR" smtClean="0"/>
+              <a:rPr lang="fr-FR"/>
               <a:t>Troisième niveau</a:t>
             </a:r>
           </a:p>
           <a:p>
             <a:pPr lvl="3"/>
             <a:r>
-              <a:rPr lang="fr-FR" smtClean="0"/>
+              <a:rPr lang="fr-FR"/>
               <a:t>Quatrième niveau</a:t>
             </a:r>
           </a:p>
           <a:p>
             <a:pPr lvl="4"/>
             <a:r>
-              <a:rPr lang="fr-FR" smtClean="0"/>
+              <a:rPr lang="fr-FR"/>
               <a:t>Cinquième niveau</a:t>
             </a:r>
-            <a:endParaRPr lang="fr-FR"/>
           </a:p>
         </p:txBody>
       </p:sp>
@@ -2587,7 +2569,7 @@
             <a:pPr eaLnBrk="1" hangingPunct="1">
               <a:defRPr/>
             </a:pPr>
-            <a:endParaRPr lang="fr-FR" altLang="fr-FR" smtClean="0"/>
+            <a:endParaRPr lang="fr-FR" altLang="fr-FR"/>
           </a:p>
         </p:txBody>
       </p:sp>
@@ -2741,7 +2723,7 @@
               <a:defRPr/>
             </a:pPr>
             <a:r>
-              <a:rPr lang="fr-FR" sz="1200" dirty="0" smtClean="0"/>
+              <a:rPr lang="fr-FR" sz="1200" dirty="0"/>
               <a:t>Page </a:t>
             </a:r>
             <a:fld id="{E218E9B1-FD08-4C80-902E-210BA2967D0D}" type="slidenum">
@@ -2754,7 +2736,7 @@
               </a:pPr>
               <a:t>‹N°›</a:t>
             </a:fld>
-            <a:endParaRPr lang="fr-FR" dirty="0" smtClean="0">
+            <a:endParaRPr lang="fr-FR" dirty="0">
               <a:latin typeface="Times New Roman" pitchFamily="18" charset="0"/>
             </a:endParaRPr>
           </a:p>
@@ -2910,10 +2892,10 @@
               <a:defRPr/>
             </a:pPr>
             <a:r>
-              <a:rPr lang="fr-FR" sz="1600" dirty="0" err="1" smtClean="0"/>
+              <a:rPr lang="fr-FR" sz="1600" dirty="0" err="1"/>
               <a:t>Angular</a:t>
             </a:r>
-            <a:endParaRPr lang="fr-FR" dirty="0" smtClean="0">
+            <a:endParaRPr lang="fr-FR" dirty="0">
               <a:latin typeface="Times New Roman" pitchFamily="18" charset="0"/>
             </a:endParaRPr>
           </a:p>
@@ -2971,7 +2953,7 @@
           <a:p>
             <a:pPr lvl="0"/>
             <a:r>
-              <a:rPr lang="fr-FR" altLang="fr-FR" smtClean="0"/>
+              <a:rPr lang="fr-FR" altLang="fr-FR"/>
               <a:t>Cliquez pour modifier le style du titre du masque</a:t>
             </a:r>
           </a:p>
@@ -3029,35 +3011,35 @@
           <a:p>
             <a:pPr lvl="0"/>
             <a:r>
-              <a:rPr lang="fr-FR" altLang="fr-FR" smtClean="0"/>
+              <a:rPr lang="fr-FR" altLang="fr-FR"/>
               <a:t>Cliquez pour modifier les styles du texte du masque</a:t>
             </a:r>
           </a:p>
           <a:p>
             <a:pPr lvl="1"/>
             <a:r>
-              <a:rPr lang="fr-FR" altLang="fr-FR" smtClean="0"/>
+              <a:rPr lang="fr-FR" altLang="fr-FR"/>
               <a:t>Deuxième niveau</a:t>
             </a:r>
           </a:p>
           <a:p>
             <a:pPr lvl="2"/>
             <a:r>
-              <a:rPr lang="fr-FR" altLang="fr-FR" smtClean="0"/>
+              <a:rPr lang="fr-FR" altLang="fr-FR"/>
               <a:t>Troisième niveau</a:t>
             </a:r>
           </a:p>
           <a:p>
             <a:pPr lvl="3"/>
             <a:r>
-              <a:rPr lang="fr-FR" altLang="fr-FR" smtClean="0"/>
+              <a:rPr lang="fr-FR" altLang="fr-FR"/>
               <a:t>Quatrième niveau</a:t>
             </a:r>
           </a:p>
           <a:p>
             <a:pPr lvl="4"/>
             <a:r>
-              <a:rPr lang="fr-FR" altLang="fr-FR" smtClean="0"/>
+              <a:rPr lang="fr-FR" altLang="fr-FR"/>
               <a:t>Cinquième niveau</a:t>
             </a:r>
           </a:p>
@@ -3213,10 +3195,10 @@
               <a:defRPr/>
             </a:pPr>
             <a:r>
-              <a:rPr lang="fr-FR" sz="1200" smtClean="0"/>
+              <a:rPr lang="fr-FR" sz="1200"/>
               <a:t>© Cyril Vincent Conseil</a:t>
             </a:r>
-            <a:endParaRPr lang="fr-FR" smtClean="0">
+            <a:endParaRPr lang="fr-FR">
               <a:latin typeface="Times New Roman" pitchFamily="18" charset="0"/>
             </a:endParaRPr>
           </a:p>
@@ -3698,19 +3680,15 @@
           <a:p>
             <a:pPr eaLnBrk="1" hangingPunct="1"/>
             <a:r>
-              <a:rPr lang="fr-FR" altLang="fr-FR" smtClean="0"/>
-              <a:t>Chapitre </a:t>
-            </a:r>
-            <a:r>
-              <a:rPr lang="fr-FR" altLang="fr-FR" smtClean="0"/>
-              <a:t>13</a:t>
-            </a:r>
-            <a:endParaRPr lang="fr-FR" altLang="fr-FR" dirty="0" smtClean="0"/>
+              <a:rPr lang="fr-FR" altLang="fr-FR"/>
+              <a:t>Chapitre 13</a:t>
+            </a:r>
+            <a:endParaRPr lang="fr-FR" altLang="fr-FR" dirty="0"/>
           </a:p>
           <a:p>
             <a:pPr eaLnBrk="1" hangingPunct="1"/>
             <a:r>
-              <a:rPr lang="fr-FR" altLang="fr-FR" dirty="0" smtClean="0"/>
+              <a:rPr lang="fr-FR" altLang="fr-FR" dirty="0"/>
               <a:t>Les services</a:t>
             </a:r>
           </a:p>
@@ -3932,10 +3910,10 @@
           <a:p>
             <a:pPr eaLnBrk="1" hangingPunct="1"/>
             <a:r>
-              <a:rPr lang="fr-FR" altLang="fr-FR" sz="4000" kern="0" dirty="0" err="1" smtClean="0"/>
+              <a:rPr lang="fr-FR" altLang="fr-FR" sz="4000" kern="0" dirty="0" err="1"/>
               <a:t>ngular</a:t>
             </a:r>
-            <a:endParaRPr lang="fr-FR" altLang="fr-FR" sz="4000" kern="0" dirty="0" smtClean="0"/>
+            <a:endParaRPr lang="fr-FR" altLang="fr-FR" sz="4000" kern="0" dirty="0"/>
           </a:p>
         </p:txBody>
       </p:sp>
@@ -3944,13 +3922,6 @@
   <p:clrMapOvr>
     <a:masterClrMapping/>
   </p:clrMapOvr>
-  <p:timing>
-    <p:tnLst>
-      <p:par>
-        <p:cTn id="1" dur="indefinite" restart="never" nodeType="tmRoot"/>
-      </p:par>
-    </p:tnLst>
-  </p:timing>
 </p:sld>
 </file>
 
@@ -3987,7 +3958,7 @@
           <a:lstStyle/>
           <a:p>
             <a:r>
-              <a:rPr lang="fr-FR" dirty="0" err="1" smtClean="0"/>
+              <a:rPr lang="fr-FR" dirty="0" err="1"/>
               <a:t>ngOnInit</a:t>
             </a:r>
             <a:endParaRPr lang="fr-FR" dirty="0"/>
@@ -4010,74 +3981,74 @@
           <a:lstStyle/>
           <a:p>
             <a:r>
-              <a:rPr lang="fr-FR" dirty="0" err="1" smtClean="0"/>
+              <a:rPr lang="fr-FR" dirty="0" err="1"/>
               <a:t>ngOnInit</a:t>
             </a:r>
             <a:r>
-              <a:rPr lang="fr-FR" dirty="0" smtClean="0"/>
+              <a:rPr lang="fr-FR" dirty="0"/>
               <a:t> est une méthode qui implémente l’interface </a:t>
             </a:r>
             <a:r>
-              <a:rPr lang="fr-FR" dirty="0" err="1" smtClean="0"/>
+              <a:rPr lang="fr-FR" dirty="0" err="1"/>
               <a:t>OnInit</a:t>
             </a:r>
-            <a:endParaRPr lang="fr-FR" dirty="0" smtClean="0"/>
+            <a:endParaRPr lang="fr-FR" dirty="0"/>
           </a:p>
           <a:p>
             <a:pPr lvl="1"/>
             <a:r>
-              <a:rPr lang="fr-FR" dirty="0" smtClean="0"/>
+              <a:rPr lang="fr-FR" dirty="0"/>
               <a:t>Obligatoire</a:t>
             </a:r>
           </a:p>
           <a:p>
             <a:pPr lvl="1"/>
             <a:r>
-              <a:rPr lang="fr-FR" dirty="0" smtClean="0"/>
+              <a:rPr lang="fr-FR" dirty="0"/>
               <a:t>Vide par défaut</a:t>
             </a:r>
           </a:p>
           <a:p>
             <a:pPr lvl="1"/>
             <a:r>
-              <a:rPr lang="fr-FR" dirty="0" smtClean="0"/>
+              <a:rPr lang="fr-FR" dirty="0"/>
               <a:t>1</a:t>
             </a:r>
             <a:r>
-              <a:rPr lang="fr-FR" baseline="30000" dirty="0" smtClean="0"/>
+              <a:rPr lang="fr-FR" baseline="30000" dirty="0"/>
               <a:t>ère</a:t>
             </a:r>
             <a:r>
-              <a:rPr lang="fr-FR" dirty="0" smtClean="0"/>
+              <a:rPr lang="fr-FR" dirty="0"/>
               <a:t> méthode appelée par </a:t>
             </a:r>
             <a:r>
-              <a:rPr lang="fr-FR" dirty="0" err="1" smtClean="0"/>
+              <a:rPr lang="fr-FR" dirty="0" err="1"/>
               <a:t>Angular</a:t>
             </a:r>
             <a:r>
-              <a:rPr lang="fr-FR" dirty="0" smtClean="0"/>
+              <a:rPr lang="fr-FR" dirty="0"/>
               <a:t> après le constructeur</a:t>
             </a:r>
           </a:p>
           <a:p>
             <a:r>
-              <a:rPr lang="fr-FR" dirty="0" smtClean="0"/>
+              <a:rPr lang="fr-FR" dirty="0"/>
               <a:t>Le code métier du composant doit se trouver dans </a:t>
             </a:r>
             <a:r>
-              <a:rPr lang="fr-FR" dirty="0" err="1" smtClean="0"/>
+              <a:rPr lang="fr-FR" dirty="0" err="1"/>
               <a:t>ngOnInit</a:t>
             </a:r>
             <a:r>
-              <a:rPr lang="fr-FR" dirty="0" smtClean="0"/>
+              <a:rPr lang="fr-FR" dirty="0"/>
               <a:t> et non dans le constructeur</a:t>
             </a:r>
           </a:p>
           <a:p>
             <a:pPr lvl="1"/>
             <a:r>
-              <a:rPr lang="fr-FR" dirty="0" smtClean="0"/>
+              <a:rPr lang="fr-FR" dirty="0"/>
               <a:t>Utilisé car on déteste avoir des attributs vides</a:t>
             </a:r>
           </a:p>
@@ -4093,13 +4064,6 @@
   <p:clrMapOvr>
     <a:masterClrMapping/>
   </p:clrMapOvr>
-  <p:timing>
-    <p:tnLst>
-      <p:par>
-        <p:cTn id="1" dur="indefinite" restart="never" nodeType="tmRoot"/>
-      </p:par>
-    </p:tnLst>
-  </p:timing>
 </p:sld>
 </file>
 
@@ -4136,10 +4100,9 @@
           <a:lstStyle/>
           <a:p>
             <a:r>
-              <a:rPr lang="fr-FR" dirty="0" smtClean="0"/>
+              <a:rPr lang="fr-FR" dirty="0"/>
               <a:t>Exemple</a:t>
             </a:r>
-            <a:endParaRPr lang="fr-FR" dirty="0"/>
           </a:p>
         </p:txBody>
       </p:sp>
@@ -4172,79 +4135,74 @@
             </a:r>
             <a:r>
               <a:rPr lang="fr-FR" dirty="0"/>
-              <a:t>(); </a:t>
-            </a:r>
-            <a:r>
-              <a:rPr lang="fr-FR" dirty="0" smtClean="0"/>
-              <a:t>}</a:t>
+              <a:t>(); }</a:t>
             </a:r>
           </a:p>
           <a:p>
             <a:pPr lvl="1"/>
             <a:r>
-              <a:rPr lang="fr-FR" dirty="0" smtClean="0"/>
+              <a:rPr lang="fr-FR" dirty="0"/>
               <a:t>Binding synchrone</a:t>
             </a:r>
           </a:p>
           <a:p>
             <a:pPr lvl="1"/>
             <a:r>
-              <a:rPr lang="fr-FR" dirty="0" smtClean="0"/>
+              <a:rPr lang="fr-FR" dirty="0"/>
               <a:t>La démo fonctionne car les données sont </a:t>
             </a:r>
             <a:r>
-              <a:rPr lang="fr-FR" dirty="0" err="1" smtClean="0"/>
+              <a:rPr lang="fr-FR" dirty="0" err="1"/>
               <a:t>mockées</a:t>
             </a:r>
             <a:r>
-              <a:rPr lang="fr-FR" dirty="0" smtClean="0"/>
+              <a:rPr lang="fr-FR" dirty="0"/>
               <a:t> donc rapides</a:t>
             </a:r>
           </a:p>
           <a:p>
             <a:r>
-              <a:rPr lang="fr-FR" dirty="0" smtClean="0"/>
+              <a:rPr lang="fr-FR" dirty="0"/>
               <a:t>Appels synchrones</a:t>
             </a:r>
           </a:p>
           <a:p>
             <a:pPr lvl="1"/>
             <a:r>
-              <a:rPr lang="fr-FR" dirty="0" err="1" smtClean="0"/>
+              <a:rPr lang="fr-FR" dirty="0" err="1"/>
               <a:t>ngOnInit</a:t>
             </a:r>
             <a:r>
-              <a:rPr lang="fr-FR" dirty="0" smtClean="0"/>
+              <a:rPr lang="fr-FR" dirty="0"/>
               <a:t> est synchrone</a:t>
             </a:r>
           </a:p>
           <a:p>
             <a:pPr lvl="1"/>
             <a:r>
-              <a:rPr lang="fr-FR" dirty="0" smtClean="0"/>
+              <a:rPr lang="fr-FR" dirty="0"/>
               <a:t>Le service est synchrone</a:t>
             </a:r>
           </a:p>
           <a:p>
             <a:pPr lvl="1"/>
             <a:r>
-              <a:rPr lang="fr-FR" dirty="0" smtClean="0"/>
+              <a:rPr lang="fr-FR" dirty="0"/>
               <a:t>Non viable car souvent le service est lent</a:t>
             </a:r>
           </a:p>
           <a:p>
             <a:pPr lvl="2"/>
             <a:r>
-              <a:rPr lang="fr-FR" dirty="0" smtClean="0"/>
+              <a:rPr lang="fr-FR" dirty="0"/>
               <a:t>Service REST</a:t>
             </a:r>
           </a:p>
           <a:p>
             <a:r>
-              <a:rPr lang="fr-FR" dirty="0" smtClean="0"/>
+              <a:rPr lang="fr-FR" dirty="0"/>
               <a:t>Uniquement valable pour les services rapides</a:t>
             </a:r>
-            <a:endParaRPr lang="fr-FR" dirty="0"/>
           </a:p>
         </p:txBody>
       </p:sp>
@@ -4258,13 +4216,6 @@
   <p:clrMapOvr>
     <a:masterClrMapping/>
   </p:clrMapOvr>
-  <p:timing>
-    <p:tnLst>
-      <p:par>
-        <p:cTn id="1" dur="indefinite" restart="never" nodeType="tmRoot"/>
-      </p:par>
-    </p:tnLst>
-  </p:timing>
 </p:sld>
 </file>
 
@@ -4301,10 +4252,9 @@
           <a:lstStyle/>
           <a:p>
             <a:r>
-              <a:rPr lang="fr-FR" dirty="0" smtClean="0"/>
+              <a:rPr lang="fr-FR" dirty="0"/>
               <a:t>Les services</a:t>
             </a:r>
-            <a:endParaRPr lang="fr-FR" dirty="0"/>
           </a:p>
         </p:txBody>
       </p:sp>
@@ -4324,68 +4274,63 @@
           <a:lstStyle/>
           <a:p>
             <a:r>
-              <a:rPr lang="fr-FR" dirty="0" smtClean="0"/>
+              <a:rPr lang="fr-FR" dirty="0"/>
               <a:t>Le services sont des modules qui peuvent contenir des objets partageables par toute l'application</a:t>
             </a:r>
           </a:p>
           <a:p>
             <a:pPr lvl="1"/>
             <a:r>
-              <a:rPr lang="fr-FR" dirty="0" smtClean="0"/>
-              <a:t>Il s’agit de partager du comportement à toute l’</a:t>
-            </a:r>
-            <a:r>
-              <a:rPr lang="fr-FR" dirty="0" err="1" smtClean="0"/>
-              <a:t>apllication</a:t>
-            </a:r>
-            <a:endParaRPr lang="fr-FR" dirty="0" smtClean="0"/>
+              <a:rPr lang="fr-FR" dirty="0"/>
+              <a:t>Il s’agit de partager du comportement à toute l’application</a:t>
+            </a:r>
           </a:p>
           <a:p>
             <a:pPr lvl="1"/>
             <a:r>
-              <a:rPr lang="fr-FR" dirty="0" smtClean="0"/>
+              <a:rPr lang="fr-FR" dirty="0"/>
               <a:t>Pattern Service</a:t>
             </a:r>
           </a:p>
           <a:p>
             <a:pPr lvl="1"/>
             <a:r>
-              <a:rPr lang="fr-FR" dirty="0" smtClean="0"/>
+              <a:rPr lang="fr-FR" dirty="0"/>
               <a:t>Uniquement métier, pas de vue</a:t>
             </a:r>
           </a:p>
           <a:p>
             <a:pPr lvl="1"/>
             <a:r>
-              <a:rPr lang="fr-FR" dirty="0" smtClean="0"/>
+              <a:rPr lang="fr-FR" dirty="0"/>
               <a:t>C’est une sorte de composant sans vue</a:t>
             </a:r>
           </a:p>
           <a:p>
             <a:pPr lvl="1"/>
             <a:r>
-              <a:rPr lang="fr-FR" dirty="0" smtClean="0"/>
+              <a:rPr lang="fr-FR" dirty="0"/>
               <a:t>Le composant expose les données</a:t>
             </a:r>
           </a:p>
           <a:p>
             <a:pPr lvl="1"/>
             <a:r>
-              <a:rPr lang="fr-FR" dirty="0" smtClean="0"/>
+              <a:rPr lang="fr-FR" dirty="0"/>
               <a:t>Le service traite et génère les données</a:t>
             </a:r>
           </a:p>
           <a:p>
             <a:pPr lvl="1"/>
             <a:r>
-              <a:rPr lang="fr-FR" dirty="0" smtClean="0"/>
+              <a:rPr lang="fr-FR" dirty="0"/>
               <a:t>Dans notre exemple il va remplacer le </a:t>
             </a:r>
             <a:r>
-              <a:rPr lang="fr-FR" dirty="0" err="1" smtClean="0"/>
+              <a:rPr lang="fr-FR" dirty="0" err="1"/>
               <a:t>mock</a:t>
             </a:r>
-            <a:endParaRPr lang="fr-FR" dirty="0" smtClean="0"/>
+            <a:endParaRPr lang="fr-FR" dirty="0"/>
           </a:p>
         </p:txBody>
       </p:sp>
@@ -4399,13 +4344,6 @@
   <p:clrMapOvr>
     <a:masterClrMapping/>
   </p:clrMapOvr>
-  <p:timing>
-    <p:tnLst>
-      <p:par>
-        <p:cTn id="1" dur="indefinite" restart="never" nodeType="tmRoot"/>
-      </p:par>
-    </p:tnLst>
-  </p:timing>
 </p:sld>
 </file>
 
@@ -4442,10 +4380,9 @@
           <a:lstStyle/>
           <a:p>
             <a:r>
-              <a:rPr lang="fr-FR" dirty="0" smtClean="0"/>
+              <a:rPr lang="fr-FR" dirty="0"/>
               <a:t>Architecture</a:t>
             </a:r>
-            <a:endParaRPr lang="fr-FR" dirty="0"/>
           </a:p>
         </p:txBody>
       </p:sp>
@@ -4519,13 +4456,6 @@
   <p:clrMapOvr>
     <a:masterClrMapping/>
   </p:clrMapOvr>
-  <p:timing>
-    <p:tnLst>
-      <p:par>
-        <p:cTn id="1" dur="indefinite" restart="never" nodeType="tmRoot"/>
-      </p:par>
-    </p:tnLst>
-  </p:timing>
 </p:sld>
 </file>
 
@@ -4562,10 +4492,9 @@
           <a:lstStyle/>
           <a:p>
             <a:r>
-              <a:rPr lang="fr-FR" dirty="0" smtClean="0"/>
+              <a:rPr lang="fr-FR" dirty="0"/>
               <a:t>Création d’un service</a:t>
             </a:r>
-            <a:endParaRPr lang="fr-FR" dirty="0"/>
           </a:p>
         </p:txBody>
       </p:sp>
@@ -4585,26 +4514,26 @@
           <a:lstStyle/>
           <a:p>
             <a:r>
-              <a:rPr lang="fr-FR" dirty="0" smtClean="0"/>
+              <a:rPr lang="fr-FR" dirty="0"/>
               <a:t>Un service est une classe TS</a:t>
             </a:r>
           </a:p>
           <a:p>
             <a:pPr lvl="1"/>
             <a:r>
-              <a:rPr lang="fr-FR" dirty="0" smtClean="0"/>
+              <a:rPr lang="fr-FR" dirty="0"/>
               <a:t>Compatible </a:t>
             </a:r>
             <a:r>
-              <a:rPr lang="fr-FR" dirty="0" err="1" smtClean="0"/>
+              <a:rPr lang="fr-FR" dirty="0" err="1"/>
               <a:t>IoD</a:t>
             </a:r>
-            <a:endParaRPr lang="fr-FR" dirty="0" smtClean="0"/>
+            <a:endParaRPr lang="fr-FR" dirty="0"/>
           </a:p>
           <a:p>
             <a:pPr lvl="1"/>
             <a:r>
-              <a:rPr lang="fr-FR" dirty="0" smtClean="0"/>
+              <a:rPr lang="fr-FR" dirty="0"/>
               <a:t>Pour la générer</a:t>
             </a:r>
           </a:p>
@@ -4627,7 +4556,7 @@
               <a:t> service </a:t>
             </a:r>
             <a:r>
-              <a:rPr lang="fr-FR" dirty="0" err="1" smtClean="0"/>
+              <a:rPr lang="fr-FR" dirty="0" err="1"/>
               <a:t>hero</a:t>
             </a:r>
             <a:endParaRPr lang="fr-FR" dirty="0"/>
@@ -4668,13 +4597,6 @@
   <p:clrMapOvr>
     <a:masterClrMapping/>
   </p:clrMapOvr>
-  <p:timing>
-    <p:tnLst>
-      <p:par>
-        <p:cTn id="1" dur="indefinite" restart="never" nodeType="tmRoot"/>
-      </p:par>
-    </p:tnLst>
-  </p:timing>
 </p:sld>
 </file>
 
@@ -4711,7 +4633,7 @@
           <a:lstStyle/>
           <a:p>
             <a:r>
-              <a:rPr lang="fr-FR" dirty="0" err="1" smtClean="0"/>
+              <a:rPr lang="fr-FR" dirty="0" err="1"/>
               <a:t>IoD</a:t>
             </a:r>
             <a:endParaRPr lang="fr-FR" dirty="0"/>
@@ -4734,71 +4656,71 @@
           <a:lstStyle/>
           <a:p>
             <a:r>
-              <a:rPr lang="fr-FR" dirty="0" err="1" smtClean="0"/>
+              <a:rPr lang="fr-FR" dirty="0" err="1"/>
               <a:t>Angular</a:t>
             </a:r>
             <a:r>
-              <a:rPr lang="fr-FR" dirty="0" smtClean="0"/>
+              <a:rPr lang="fr-FR" dirty="0"/>
               <a:t> est compatible avec les pattern </a:t>
             </a:r>
             <a:r>
-              <a:rPr lang="fr-FR" dirty="0" err="1" smtClean="0"/>
+              <a:rPr lang="fr-FR" dirty="0" err="1"/>
               <a:t>IoD</a:t>
             </a:r>
             <a:r>
-              <a:rPr lang="fr-FR" dirty="0" smtClean="0"/>
+              <a:rPr lang="fr-FR" dirty="0"/>
               <a:t> et </a:t>
             </a:r>
             <a:r>
-              <a:rPr lang="fr-FR" dirty="0" err="1" smtClean="0"/>
+              <a:rPr lang="fr-FR" dirty="0" err="1"/>
               <a:t>Factory</a:t>
             </a:r>
-            <a:endParaRPr lang="fr-FR" dirty="0" smtClean="0"/>
+            <a:endParaRPr lang="fr-FR" dirty="0"/>
           </a:p>
           <a:p>
             <a:pPr lvl="1"/>
             <a:r>
-              <a:rPr lang="fr-FR" dirty="0" smtClean="0"/>
+              <a:rPr lang="fr-FR" dirty="0"/>
               <a:t>Injection Of </a:t>
             </a:r>
             <a:r>
-              <a:rPr lang="fr-FR" dirty="0" err="1" smtClean="0"/>
+              <a:rPr lang="fr-FR" dirty="0" err="1"/>
               <a:t>Dependency</a:t>
             </a:r>
-            <a:endParaRPr lang="fr-FR" dirty="0" smtClean="0"/>
-          </a:p>
-          <a:p>
-            <a:r>
-              <a:rPr lang="fr-FR" dirty="0" smtClean="0"/>
+            <a:endParaRPr lang="fr-FR" dirty="0"/>
+          </a:p>
+          <a:p>
+            <a:r>
+              <a:rPr lang="fr-FR" dirty="0"/>
               <a:t>Ces services permettent d’</a:t>
             </a:r>
             <a:r>
-              <a:rPr lang="fr-FR" dirty="0" err="1" smtClean="0"/>
+              <a:rPr lang="fr-FR" dirty="0" err="1"/>
               <a:t>instantier</a:t>
             </a:r>
             <a:r>
-              <a:rPr lang="fr-FR" dirty="0" smtClean="0"/>
+              <a:rPr lang="fr-FR" dirty="0"/>
               <a:t> une classe avec des dépendances automatiquement</a:t>
             </a:r>
           </a:p>
           <a:p>
             <a:pPr lvl="1"/>
             <a:r>
-              <a:rPr lang="fr-FR" dirty="0" smtClean="0"/>
+              <a:rPr lang="fr-FR" dirty="0"/>
               <a:t>Les dépendances sont des attributs obligatoires pour que la classe fonctionne</a:t>
             </a:r>
           </a:p>
           <a:p>
             <a:pPr lvl="1"/>
             <a:r>
-              <a:rPr lang="fr-FR" dirty="0" smtClean="0"/>
+              <a:rPr lang="fr-FR" dirty="0"/>
               <a:t>Via constructeur, setter, attributs publiques, méthodes</a:t>
             </a:r>
           </a:p>
           <a:p>
             <a:pPr lvl="1"/>
             <a:r>
-              <a:rPr lang="fr-FR" dirty="0" smtClean="0"/>
+              <a:rPr lang="fr-FR" dirty="0"/>
               <a:t>Récursif : une classe est dépendante d’une autre classe …</a:t>
             </a:r>
           </a:p>
@@ -4817,13 +4739,6 @@
   <p:clrMapOvr>
     <a:masterClrMapping/>
   </p:clrMapOvr>
-  <p:timing>
-    <p:tnLst>
-      <p:par>
-        <p:cTn id="1" dur="indefinite" restart="never" nodeType="tmRoot"/>
-      </p:par>
-    </p:tnLst>
-  </p:timing>
 </p:sld>
 </file>
 
@@ -4860,10 +4775,9 @@
           <a:lstStyle/>
           <a:p>
             <a:r>
-              <a:rPr lang="fr-FR" dirty="0" smtClean="0"/>
+              <a:rPr lang="fr-FR" dirty="0"/>
               <a:t>@Injectable</a:t>
             </a:r>
-            <a:endParaRPr lang="fr-FR" dirty="0"/>
           </a:p>
         </p:txBody>
       </p:sp>
@@ -4883,21 +4797,21 @@
           <a:lstStyle/>
           <a:p>
             <a:r>
-              <a:rPr lang="fr-FR" dirty="0" smtClean="0"/>
+              <a:rPr lang="fr-FR" dirty="0"/>
               <a:t>Le décorateur @Injectable rend le service injectable</a:t>
             </a:r>
           </a:p>
           <a:p>
             <a:pPr lvl="1"/>
             <a:r>
-              <a:rPr lang="fr-FR" dirty="0" smtClean="0"/>
+              <a:rPr lang="fr-FR" dirty="0"/>
               <a:t>Le service pourra lui aussi injecter des dépendances</a:t>
             </a:r>
           </a:p>
           <a:p>
             <a:pPr lvl="1"/>
             <a:r>
-              <a:rPr lang="fr-FR" dirty="0" smtClean="0"/>
+              <a:rPr lang="fr-FR" dirty="0"/>
               <a:t>Récursif</a:t>
             </a:r>
           </a:p>
@@ -4908,47 +4822,42 @@
             </a:r>
             <a:r>
               <a:rPr lang="fr-FR" dirty="0"/>
-              <a:t>: </a:t>
-            </a:r>
-            <a:r>
-              <a:rPr lang="fr-FR" dirty="0" smtClean="0"/>
-              <a:t>'</a:t>
-            </a:r>
-            <a:r>
-              <a:rPr lang="fr-FR" dirty="0" err="1" smtClean="0"/>
+              <a:t>: '</a:t>
+            </a:r>
+            <a:r>
+              <a:rPr lang="fr-FR" dirty="0" err="1"/>
               <a:t>root</a:t>
             </a:r>
             <a:r>
-              <a:rPr lang="fr-FR" dirty="0" smtClean="0"/>
+              <a:rPr lang="fr-FR" dirty="0"/>
               <a:t>‘</a:t>
             </a:r>
           </a:p>
           <a:p>
             <a:pPr lvl="1"/>
             <a:r>
-              <a:rPr lang="fr-FR" dirty="0" smtClean="0"/>
+              <a:rPr lang="fr-FR" dirty="0"/>
               <a:t>Signifie que le provider d’injection est le </a:t>
             </a:r>
             <a:r>
-              <a:rPr lang="fr-FR" dirty="0" err="1" smtClean="0"/>
+              <a:rPr lang="fr-FR" dirty="0" err="1"/>
               <a:t>root</a:t>
             </a:r>
-            <a:endParaRPr lang="fr-FR" dirty="0" smtClean="0"/>
+            <a:endParaRPr lang="fr-FR" dirty="0"/>
           </a:p>
           <a:p>
             <a:pPr lvl="1"/>
             <a:r>
-              <a:rPr lang="fr-FR" dirty="0" smtClean="0"/>
+              <a:rPr lang="fr-FR" dirty="0"/>
               <a:t>C’est-à-dire que le service est disponible de manière globale dans toute l’application</a:t>
             </a:r>
           </a:p>
           <a:p>
             <a:pPr lvl="1"/>
             <a:r>
-              <a:rPr lang="fr-FR" dirty="0" smtClean="0"/>
+              <a:rPr lang="fr-FR" dirty="0"/>
               <a:t>Singleton</a:t>
             </a:r>
-            <a:endParaRPr lang="fr-FR" dirty="0"/>
           </a:p>
         </p:txBody>
       </p:sp>
@@ -5003,13 +4912,6 @@
   <p:clrMapOvr>
     <a:masterClrMapping/>
   </p:clrMapOvr>
-  <p:timing>
-    <p:tnLst>
-      <p:par>
-        <p:cTn id="1" dur="indefinite" restart="never" nodeType="tmRoot"/>
-      </p:par>
-    </p:tnLst>
-  </p:timing>
 </p:sld>
 </file>
 
@@ -5046,10 +4948,9 @@
           <a:lstStyle/>
           <a:p>
             <a:r>
-              <a:rPr lang="fr-FR" dirty="0" smtClean="0"/>
+              <a:rPr lang="fr-FR" dirty="0"/>
               <a:t>Code du service</a:t>
             </a:r>
-            <a:endParaRPr lang="fr-FR" dirty="0"/>
           </a:p>
         </p:txBody>
       </p:sp>
@@ -5069,41 +4970,39 @@
           <a:lstStyle/>
           <a:p>
             <a:r>
-              <a:rPr lang="fr-FR" dirty="0" smtClean="0"/>
+              <a:rPr lang="fr-FR" dirty="0"/>
               <a:t>Le service est une classe TS comme les autres</a:t>
             </a:r>
           </a:p>
           <a:p>
             <a:pPr lvl="1"/>
             <a:r>
-              <a:rPr lang="fr-FR" dirty="0" smtClean="0"/>
+              <a:rPr lang="fr-FR" dirty="0"/>
               <a:t>Contrairement aux composants elle est orientée méthode</a:t>
             </a:r>
           </a:p>
           <a:p>
             <a:r>
-              <a:rPr lang="fr-FR" dirty="0" smtClean="0"/>
+              <a:rPr lang="fr-FR" dirty="0"/>
               <a:t>Elle peut posséder n’importe quelle méthode</a:t>
             </a:r>
           </a:p>
           <a:p>
             <a:pPr lvl="1"/>
             <a:r>
-              <a:rPr lang="fr-FR" dirty="0" err="1" smtClean="0"/>
+              <a:rPr lang="fr-FR" dirty="0" err="1"/>
               <a:t>getHello</a:t>
             </a:r>
             <a:r>
-              <a:rPr lang="fr-FR" dirty="0" smtClean="0"/>
+              <a:rPr lang="fr-FR" dirty="0"/>
               <a:t>() : string {return « Hello »;}</a:t>
             </a:r>
-            <a:endParaRPr lang="fr-FR" dirty="0"/>
-          </a:p>
-          <a:p>
-            <a:r>
-              <a:rPr lang="fr-FR" dirty="0" smtClean="0"/>
+          </a:p>
+          <a:p>
+            <a:r>
+              <a:rPr lang="fr-FR" dirty="0"/>
               <a:t>Exemple</a:t>
             </a:r>
-            <a:endParaRPr lang="fr-FR" dirty="0"/>
           </a:p>
         </p:txBody>
       </p:sp>
@@ -5141,13 +5040,6 @@
   <p:clrMapOvr>
     <a:masterClrMapping/>
   </p:clrMapOvr>
-  <p:timing>
-    <p:tnLst>
-      <p:par>
-        <p:cTn id="1" dur="indefinite" restart="never" nodeType="tmRoot"/>
-      </p:par>
-    </p:tnLst>
-  </p:timing>
 </p:sld>
 </file>
 
@@ -5184,10 +5076,9 @@
           <a:lstStyle/>
           <a:p>
             <a:r>
-              <a:rPr lang="fr-FR" dirty="0" smtClean="0"/>
+              <a:rPr lang="fr-FR" dirty="0"/>
               <a:t>Appel du service</a:t>
             </a:r>
-            <a:endParaRPr lang="fr-FR" dirty="0"/>
           </a:p>
         </p:txBody>
       </p:sp>
@@ -5207,28 +5098,28 @@
           <a:lstStyle/>
           <a:p>
             <a:r>
-              <a:rPr lang="fr-FR" dirty="0" smtClean="0"/>
+              <a:rPr lang="fr-FR" dirty="0"/>
               <a:t>Un service est appelable par n’importe quel service ou composant</a:t>
             </a:r>
           </a:p>
           <a:p>
             <a:pPr lvl="1"/>
             <a:r>
-              <a:rPr lang="fr-FR" dirty="0" smtClean="0"/>
+              <a:rPr lang="fr-FR" dirty="0"/>
               <a:t>Si le service est injectable </a:t>
             </a:r>
             <a:r>
-              <a:rPr lang="fr-FR" dirty="0" err="1" smtClean="0"/>
+              <a:rPr lang="fr-FR" dirty="0" err="1"/>
               <a:t>root</a:t>
             </a:r>
             <a:r>
-              <a:rPr lang="fr-FR" dirty="0" smtClean="0"/>
+              <a:rPr lang="fr-FR" dirty="0"/>
               <a:t> il est alors appelable de partout</a:t>
             </a:r>
           </a:p>
           <a:p>
             <a:r>
-              <a:rPr lang="fr-FR" dirty="0" smtClean="0"/>
+              <a:rPr lang="fr-FR" dirty="0"/>
               <a:t>Il d’abord l’importer</a:t>
             </a:r>
           </a:p>
@@ -5259,13 +5150,13 @@
               <a:t>hero.service</a:t>
             </a:r>
             <a:r>
-              <a:rPr lang="fr-FR" dirty="0" smtClean="0"/>
+              <a:rPr lang="fr-FR" dirty="0"/>
               <a:t>';</a:t>
             </a:r>
           </a:p>
           <a:p>
             <a:r>
-              <a:rPr lang="fr-FR" dirty="0" smtClean="0"/>
+              <a:rPr lang="fr-FR" dirty="0"/>
               <a:t>Puis il faut l’injecter dans le constructeur</a:t>
             </a:r>
           </a:p>
@@ -5301,35 +5192,31 @@
             </a:r>
             <a:r>
               <a:rPr lang="fr-FR" dirty="0"/>
-              <a:t>) { </a:t>
-            </a:r>
-            <a:r>
-              <a:rPr lang="fr-FR" dirty="0" smtClean="0"/>
-              <a:t>}</a:t>
+              <a:t>) { }</a:t>
             </a:r>
           </a:p>
           <a:p>
             <a:pPr lvl="1"/>
             <a:r>
-              <a:rPr lang="fr-FR" dirty="0" err="1" smtClean="0"/>
+              <a:rPr lang="fr-FR" dirty="0" err="1"/>
               <a:t>IoD</a:t>
             </a:r>
             <a:r>
-              <a:rPr lang="fr-FR" dirty="0" smtClean="0"/>
+              <a:rPr lang="fr-FR" dirty="0"/>
               <a:t> automatique</a:t>
             </a:r>
           </a:p>
           <a:p>
             <a:pPr lvl="1"/>
-            <a:endParaRPr lang="fr-FR" dirty="0" smtClean="0"/>
+            <a:endParaRPr lang="fr-FR" dirty="0"/>
           </a:p>
           <a:p>
             <a:pPr lvl="1"/>
-            <a:endParaRPr lang="fr-FR" dirty="0" smtClean="0"/>
+            <a:endParaRPr lang="fr-FR" dirty="0"/>
           </a:p>
           <a:p>
             <a:pPr lvl="1"/>
-            <a:endParaRPr lang="fr-FR" dirty="0" smtClean="0"/>
+            <a:endParaRPr lang="fr-FR" dirty="0"/>
           </a:p>
           <a:p>
             <a:endParaRPr lang="fr-FR" dirty="0"/>
@@ -5346,13 +5233,6 @@
   <p:clrMapOvr>
     <a:masterClrMapping/>
   </p:clrMapOvr>
-  <p:timing>
-    <p:tnLst>
-      <p:par>
-        <p:cTn id="1" dur="indefinite" restart="never" nodeType="tmRoot"/>
-      </p:par>
-    </p:tnLst>
-  </p:timing>
 </p:sld>
 </file>
 
@@ -5389,10 +5269,9 @@
           <a:lstStyle/>
           <a:p>
             <a:r>
-              <a:rPr lang="fr-FR" dirty="0" smtClean="0"/>
+              <a:rPr lang="fr-FR" dirty="0"/>
               <a:t>Appel du service</a:t>
             </a:r>
-            <a:endParaRPr lang="fr-FR" dirty="0"/>
           </a:p>
         </p:txBody>
       </p:sp>
@@ -5412,13 +5291,13 @@
           <a:lstStyle/>
           <a:p>
             <a:r>
-              <a:rPr lang="fr-FR" dirty="0" smtClean="0"/>
+              <a:rPr lang="fr-FR" dirty="0"/>
               <a:t>Le service est alors un singleton appelable partout dans la classe</a:t>
             </a:r>
           </a:p>
           <a:p>
             <a:r>
-              <a:rPr lang="fr-FR" dirty="0" smtClean="0"/>
+              <a:rPr lang="fr-FR" dirty="0"/>
               <a:t>Exemple</a:t>
             </a:r>
           </a:p>
@@ -5476,7 +5355,6 @@
               <a:rPr lang="fr-FR" dirty="0"/>
               <a:t>}</a:t>
             </a:r>
-            <a:endParaRPr lang="fr-FR" dirty="0" smtClean="0"/>
           </a:p>
           <a:p>
             <a:pPr lvl="1"/>
@@ -5494,13 +5372,6 @@
   <p:clrMapOvr>
     <a:masterClrMapping/>
   </p:clrMapOvr>
-  <p:timing>
-    <p:tnLst>
-      <p:par>
-        <p:cTn id="1" dur="indefinite" restart="never" nodeType="tmRoot"/>
-      </p:par>
-    </p:tnLst>
-  </p:timing>
 </p:sld>
 </file>
 

--- a/PPT/Angular13-Services.pptx
+++ b/PPT/Angular13-Services.pptx
@@ -5,10 +5,10 @@
     <p:sldMasterId id="2147483653" r:id="rId1"/>
   </p:sldMasterIdLst>
   <p:notesMasterIdLst>
-    <p:notesMasterId r:id="rId13"/>
+    <p:notesMasterId r:id="rId16"/>
   </p:notesMasterIdLst>
   <p:handoutMasterIdLst>
-    <p:handoutMasterId r:id="rId14"/>
+    <p:handoutMasterId r:id="rId17"/>
   </p:handoutMasterIdLst>
   <p:sldIdLst>
     <p:sldId id="264" r:id="rId2"/>
@@ -22,6 +22,9 @@
     <p:sldId id="272" r:id="rId10"/>
     <p:sldId id="273" r:id="rId11"/>
     <p:sldId id="274" r:id="rId12"/>
+    <p:sldId id="276" r:id="rId13"/>
+    <p:sldId id="277" r:id="rId14"/>
+    <p:sldId id="278" r:id="rId15"/>
   </p:sldIdLst>
   <p:sldSz cx="9144000" cy="6858000" type="screen4x3"/>
   <p:notesSz cx="6648450" cy="9782175"/>
@@ -4210,6 +4213,437 @@
     <p:extLst>
       <p:ext uri="{BB962C8B-B14F-4D97-AF65-F5344CB8AC3E}">
         <p14:creationId xmlns:p14="http://schemas.microsoft.com/office/powerpoint/2010/main" val="1666801095"/>
+      </p:ext>
+    </p:extLst>
+  </p:cSld>
+  <p:clrMapOvr>
+    <a:masterClrMapping/>
+  </p:clrMapOvr>
+</p:sld>
+</file>
+
+<file path=ppt/slides/slide12.xml><?xml version="1.0" encoding="utf-8"?>
+<p:sld xmlns:a="http://schemas.openxmlformats.org/drawingml/2006/main" xmlns:r="http://schemas.openxmlformats.org/officeDocument/2006/relationships" xmlns:p="http://schemas.openxmlformats.org/presentationml/2006/main">
+  <p:cSld>
+    <p:spTree>
+      <p:nvGrpSpPr>
+        <p:cNvPr id="1" name=""/>
+        <p:cNvGrpSpPr/>
+        <p:nvPr/>
+      </p:nvGrpSpPr>
+      <p:grpSpPr>
+        <a:xfrm>
+          <a:off x="0" y="0"/>
+          <a:ext cx="0" cy="0"/>
+          <a:chOff x="0" y="0"/>
+          <a:chExt cx="0" cy="0"/>
+        </a:xfrm>
+      </p:grpSpPr>
+      <p:sp>
+        <p:nvSpPr>
+          <p:cNvPr id="2" name="Titre 1">
+            <a:extLst>
+              <a:ext uri="{FF2B5EF4-FFF2-40B4-BE49-F238E27FC236}">
+                <a16:creationId xmlns:a16="http://schemas.microsoft.com/office/drawing/2014/main" id="{2BBA72A0-FA9F-4B22-8DC4-3AE24B57DE4D}"/>
+              </a:ext>
+            </a:extLst>
+          </p:cNvPr>
+          <p:cNvSpPr>
+            <a:spLocks noGrp="1"/>
+          </p:cNvSpPr>
+          <p:nvPr>
+            <p:ph type="title"/>
+          </p:nvPr>
+        </p:nvSpPr>
+        <p:spPr/>
+        <p:txBody>
+          <a:bodyPr/>
+          <a:lstStyle/>
+          <a:p>
+            <a:r>
+              <a:rPr lang="fr-FR" dirty="0" err="1"/>
+              <a:t>Eagerly</a:t>
+            </a:r>
+            <a:r>
+              <a:rPr lang="fr-FR" dirty="0"/>
+              <a:t> </a:t>
+            </a:r>
+            <a:r>
+              <a:rPr lang="fr-FR" dirty="0" err="1"/>
+              <a:t>Loading</a:t>
+            </a:r>
+            <a:endParaRPr lang="fr-FR" dirty="0"/>
+          </a:p>
+        </p:txBody>
+      </p:sp>
+      <p:sp>
+        <p:nvSpPr>
+          <p:cNvPr id="3" name="Espace réservé du contenu 2">
+            <a:extLst>
+              <a:ext uri="{FF2B5EF4-FFF2-40B4-BE49-F238E27FC236}">
+                <a16:creationId xmlns:a16="http://schemas.microsoft.com/office/drawing/2014/main" id="{D9AB122A-276D-4AA5-BDDF-399DD16FACF0}"/>
+              </a:ext>
+            </a:extLst>
+          </p:cNvPr>
+          <p:cNvSpPr>
+            <a:spLocks noGrp="1"/>
+          </p:cNvSpPr>
+          <p:nvPr>
+            <p:ph idx="1"/>
+          </p:nvPr>
+        </p:nvSpPr>
+        <p:spPr/>
+        <p:txBody>
+          <a:bodyPr/>
+          <a:lstStyle/>
+          <a:p>
+            <a:r>
+              <a:rPr lang="fr-FR" dirty="0" err="1"/>
+              <a:t>providedIn</a:t>
+            </a:r>
+            <a:r>
+              <a:rPr lang="fr-FR" dirty="0"/>
+              <a:t> : 'root' charge les modules dés le démarrage de l'application</a:t>
+            </a:r>
+          </a:p>
+          <a:p>
+            <a:pPr lvl="1"/>
+            <a:r>
+              <a:rPr lang="fr-FR" dirty="0"/>
+              <a:t>Le service injecté est disponible dans tous l'arbre</a:t>
+            </a:r>
+          </a:p>
+          <a:p>
+            <a:pPr lvl="1"/>
+            <a:r>
+              <a:rPr lang="fr-FR" dirty="0" err="1"/>
+              <a:t>Eagerly</a:t>
+            </a:r>
+            <a:r>
+              <a:rPr lang="fr-FR" dirty="0"/>
+              <a:t> </a:t>
+            </a:r>
+            <a:r>
+              <a:rPr lang="fr-FR" dirty="0" err="1"/>
+              <a:t>Loading</a:t>
+            </a:r>
+            <a:endParaRPr lang="fr-FR" dirty="0"/>
+          </a:p>
+          <a:p>
+            <a:pPr lvl="1"/>
+            <a:r>
+              <a:rPr lang="fr-FR" dirty="0"/>
+              <a:t>Singleton</a:t>
+            </a:r>
+          </a:p>
+          <a:p>
+            <a:pPr lvl="1"/>
+            <a:endParaRPr lang="fr-FR" dirty="0"/>
+          </a:p>
+        </p:txBody>
+      </p:sp>
+      <p:pic>
+        <p:nvPicPr>
+          <p:cNvPr id="5" name="Image 4">
+            <a:extLst>
+              <a:ext uri="{FF2B5EF4-FFF2-40B4-BE49-F238E27FC236}">
+                <a16:creationId xmlns:a16="http://schemas.microsoft.com/office/drawing/2014/main" id="{B1AE7A3D-A3E1-4085-B67D-017AE24F8FC4}"/>
+              </a:ext>
+            </a:extLst>
+          </p:cNvPr>
+          <p:cNvPicPr>
+            <a:picLocks noChangeAspect="1"/>
+          </p:cNvPicPr>
+          <p:nvPr/>
+        </p:nvPicPr>
+        <p:blipFill>
+          <a:blip r:embed="rId2"/>
+          <a:stretch>
+            <a:fillRect/>
+          </a:stretch>
+        </p:blipFill>
+        <p:spPr>
+          <a:xfrm>
+            <a:off x="652462" y="4005064"/>
+            <a:ext cx="7839075" cy="2114550"/>
+          </a:xfrm>
+          <a:prstGeom prst="rect">
+            <a:avLst/>
+          </a:prstGeom>
+        </p:spPr>
+      </p:pic>
+    </p:spTree>
+    <p:extLst>
+      <p:ext uri="{BB962C8B-B14F-4D97-AF65-F5344CB8AC3E}">
+        <p14:creationId xmlns:p14="http://schemas.microsoft.com/office/powerpoint/2010/main" val="728421359"/>
+      </p:ext>
+    </p:extLst>
+  </p:cSld>
+  <p:clrMapOvr>
+    <a:masterClrMapping/>
+  </p:clrMapOvr>
+</p:sld>
+</file>
+
+<file path=ppt/slides/slide13.xml><?xml version="1.0" encoding="utf-8"?>
+<p:sld xmlns:a="http://schemas.openxmlformats.org/drawingml/2006/main" xmlns:r="http://schemas.openxmlformats.org/officeDocument/2006/relationships" xmlns:p="http://schemas.openxmlformats.org/presentationml/2006/main">
+  <p:cSld>
+    <p:spTree>
+      <p:nvGrpSpPr>
+        <p:cNvPr id="1" name=""/>
+        <p:cNvGrpSpPr/>
+        <p:nvPr/>
+      </p:nvGrpSpPr>
+      <p:grpSpPr>
+        <a:xfrm>
+          <a:off x="0" y="0"/>
+          <a:ext cx="0" cy="0"/>
+          <a:chOff x="0" y="0"/>
+          <a:chExt cx="0" cy="0"/>
+        </a:xfrm>
+      </p:grpSpPr>
+      <p:sp>
+        <p:nvSpPr>
+          <p:cNvPr id="2" name="Titre 1">
+            <a:extLst>
+              <a:ext uri="{FF2B5EF4-FFF2-40B4-BE49-F238E27FC236}">
+                <a16:creationId xmlns:a16="http://schemas.microsoft.com/office/drawing/2014/main" id="{D511B1EE-1092-4EA7-B704-D5F9BC68CC8E}"/>
+              </a:ext>
+            </a:extLst>
+          </p:cNvPr>
+          <p:cNvSpPr>
+            <a:spLocks noGrp="1"/>
+          </p:cNvSpPr>
+          <p:nvPr>
+            <p:ph type="title"/>
+          </p:nvPr>
+        </p:nvSpPr>
+        <p:spPr/>
+        <p:txBody>
+          <a:bodyPr/>
+          <a:lstStyle/>
+          <a:p>
+            <a:r>
+              <a:rPr lang="fr-FR" dirty="0" err="1"/>
+              <a:t>Lazy</a:t>
+            </a:r>
+            <a:r>
+              <a:rPr lang="fr-FR" dirty="0"/>
+              <a:t> </a:t>
+            </a:r>
+            <a:r>
+              <a:rPr lang="fr-FR" dirty="0" err="1"/>
+              <a:t>Loading</a:t>
+            </a:r>
+            <a:endParaRPr lang="fr-FR" dirty="0"/>
+          </a:p>
+        </p:txBody>
+      </p:sp>
+      <p:sp>
+        <p:nvSpPr>
+          <p:cNvPr id="3" name="Espace réservé du contenu 2">
+            <a:extLst>
+              <a:ext uri="{FF2B5EF4-FFF2-40B4-BE49-F238E27FC236}">
+                <a16:creationId xmlns:a16="http://schemas.microsoft.com/office/drawing/2014/main" id="{5A735188-090E-4A4E-8999-0031A02F2465}"/>
+              </a:ext>
+            </a:extLst>
+          </p:cNvPr>
+          <p:cNvSpPr>
+            <a:spLocks noGrp="1"/>
+          </p:cNvSpPr>
+          <p:nvPr>
+            <p:ph idx="1"/>
+          </p:nvPr>
+        </p:nvSpPr>
+        <p:spPr/>
+        <p:txBody>
+          <a:bodyPr/>
+          <a:lstStyle/>
+          <a:p>
+            <a:r>
+              <a:rPr lang="fr-FR" dirty="0" err="1"/>
+              <a:t>providedIn</a:t>
+            </a:r>
+            <a:r>
+              <a:rPr lang="fr-FR" dirty="0"/>
+              <a:t>: '</a:t>
+            </a:r>
+            <a:r>
+              <a:rPr lang="fr-FR" dirty="0" err="1"/>
+              <a:t>any</a:t>
+            </a:r>
+            <a:r>
+              <a:rPr lang="fr-FR" dirty="0"/>
+              <a:t>' permet de charger en différé le module à sa première demande</a:t>
+            </a:r>
+          </a:p>
+          <a:p>
+            <a:pPr lvl="1"/>
+            <a:r>
+              <a:rPr lang="fr-FR" dirty="0"/>
+              <a:t>Depuis </a:t>
+            </a:r>
+            <a:r>
+              <a:rPr lang="fr-FR" dirty="0" err="1"/>
+              <a:t>Angular</a:t>
+            </a:r>
+            <a:r>
+              <a:rPr lang="fr-FR" dirty="0"/>
+              <a:t> 9</a:t>
+            </a:r>
+          </a:p>
+        </p:txBody>
+      </p:sp>
+      <p:pic>
+        <p:nvPicPr>
+          <p:cNvPr id="4" name="Image 3">
+            <a:extLst>
+              <a:ext uri="{FF2B5EF4-FFF2-40B4-BE49-F238E27FC236}">
+                <a16:creationId xmlns:a16="http://schemas.microsoft.com/office/drawing/2014/main" id="{F9D81A10-15A8-4B42-9671-2C3D386C6D41}"/>
+              </a:ext>
+            </a:extLst>
+          </p:cNvPr>
+          <p:cNvPicPr>
+            <a:picLocks noChangeAspect="1"/>
+          </p:cNvPicPr>
+          <p:nvPr/>
+        </p:nvPicPr>
+        <p:blipFill>
+          <a:blip r:embed="rId2"/>
+          <a:stretch>
+            <a:fillRect/>
+          </a:stretch>
+        </p:blipFill>
+        <p:spPr>
+          <a:xfrm>
+            <a:off x="614424" y="3068960"/>
+            <a:ext cx="7896225" cy="2714625"/>
+          </a:xfrm>
+          <a:prstGeom prst="rect">
+            <a:avLst/>
+          </a:prstGeom>
+        </p:spPr>
+      </p:pic>
+    </p:spTree>
+    <p:extLst>
+      <p:ext uri="{BB962C8B-B14F-4D97-AF65-F5344CB8AC3E}">
+        <p14:creationId xmlns:p14="http://schemas.microsoft.com/office/powerpoint/2010/main" val="2154804310"/>
+      </p:ext>
+    </p:extLst>
+  </p:cSld>
+  <p:clrMapOvr>
+    <a:masterClrMapping/>
+  </p:clrMapOvr>
+</p:sld>
+</file>
+
+<file path=ppt/slides/slide14.xml><?xml version="1.0" encoding="utf-8"?>
+<p:sld xmlns:a="http://schemas.openxmlformats.org/drawingml/2006/main" xmlns:r="http://schemas.openxmlformats.org/officeDocument/2006/relationships" xmlns:p="http://schemas.openxmlformats.org/presentationml/2006/main">
+  <p:cSld>
+    <p:spTree>
+      <p:nvGrpSpPr>
+        <p:cNvPr id="1" name=""/>
+        <p:cNvGrpSpPr/>
+        <p:nvPr/>
+      </p:nvGrpSpPr>
+      <p:grpSpPr>
+        <a:xfrm>
+          <a:off x="0" y="0"/>
+          <a:ext cx="0" cy="0"/>
+          <a:chOff x="0" y="0"/>
+          <a:chExt cx="0" cy="0"/>
+        </a:xfrm>
+      </p:grpSpPr>
+      <p:sp>
+        <p:nvSpPr>
+          <p:cNvPr id="2" name="Titre 1">
+            <a:extLst>
+              <a:ext uri="{FF2B5EF4-FFF2-40B4-BE49-F238E27FC236}">
+                <a16:creationId xmlns:a16="http://schemas.microsoft.com/office/drawing/2014/main" id="{9F80E7B1-BD23-42B6-B3F9-0F582837E276}"/>
+              </a:ext>
+            </a:extLst>
+          </p:cNvPr>
+          <p:cNvSpPr>
+            <a:spLocks noGrp="1"/>
+          </p:cNvSpPr>
+          <p:nvPr>
+            <p:ph type="title"/>
+          </p:nvPr>
+        </p:nvSpPr>
+        <p:spPr/>
+        <p:txBody>
+          <a:bodyPr/>
+          <a:lstStyle/>
+          <a:p>
+            <a:r>
+              <a:rPr lang="fr-FR" dirty="0"/>
+              <a:t>Limitation</a:t>
+            </a:r>
+          </a:p>
+        </p:txBody>
+      </p:sp>
+      <p:sp>
+        <p:nvSpPr>
+          <p:cNvPr id="3" name="Espace réservé du contenu 2">
+            <a:extLst>
+              <a:ext uri="{FF2B5EF4-FFF2-40B4-BE49-F238E27FC236}">
+                <a16:creationId xmlns:a16="http://schemas.microsoft.com/office/drawing/2014/main" id="{212E56BF-AB09-40E8-85AE-163182D15829}"/>
+              </a:ext>
+            </a:extLst>
+          </p:cNvPr>
+          <p:cNvSpPr>
+            <a:spLocks noGrp="1"/>
+          </p:cNvSpPr>
+          <p:nvPr>
+            <p:ph idx="1"/>
+          </p:nvPr>
+        </p:nvSpPr>
+        <p:spPr/>
+        <p:txBody>
+          <a:bodyPr/>
+          <a:lstStyle/>
+          <a:p>
+            <a:r>
+              <a:rPr lang="fr-FR" dirty="0"/>
+              <a:t>Permet de limiter l'utilisation d'un service à un module ou composant et ses descendants</a:t>
+            </a:r>
+          </a:p>
+        </p:txBody>
+      </p:sp>
+      <p:pic>
+        <p:nvPicPr>
+          <p:cNvPr id="4" name="Image 3">
+            <a:extLst>
+              <a:ext uri="{FF2B5EF4-FFF2-40B4-BE49-F238E27FC236}">
+                <a16:creationId xmlns:a16="http://schemas.microsoft.com/office/drawing/2014/main" id="{762C2B2A-6DDE-4F79-B786-B5E7F6529BC6}"/>
+              </a:ext>
+            </a:extLst>
+          </p:cNvPr>
+          <p:cNvPicPr>
+            <a:picLocks noChangeAspect="1"/>
+          </p:cNvPicPr>
+          <p:nvPr/>
+        </p:nvPicPr>
+        <p:blipFill>
+          <a:blip r:embed="rId2"/>
+          <a:stretch>
+            <a:fillRect/>
+          </a:stretch>
+        </p:blipFill>
+        <p:spPr>
+          <a:xfrm>
+            <a:off x="2915816" y="3128193"/>
+            <a:ext cx="2857500" cy="1609725"/>
+          </a:xfrm>
+          <a:prstGeom prst="rect">
+            <a:avLst/>
+          </a:prstGeom>
+        </p:spPr>
+      </p:pic>
+    </p:spTree>
+    <p:extLst>
+      <p:ext uri="{BB962C8B-B14F-4D97-AF65-F5344CB8AC3E}">
+        <p14:creationId xmlns:p14="http://schemas.microsoft.com/office/powerpoint/2010/main" val="4061358125"/>
       </p:ext>
     </p:extLst>
   </p:cSld>
